--- a/Hackathon presentation.pptx
+++ b/Hackathon presentation.pptx
@@ -1697,7 +1697,7 @@
         </p:nvSpPr>
         <p:spPr>
           <a:xfrm>
-            <a:off x="381300" y="685800"/>
+            <a:off x="381000" y="685800"/>
             <a:ext cx="6096000" cy="3429000"/>
           </a:xfrm>
           <a:custGeom>
@@ -1801,7 +1801,7 @@
         </p:nvSpPr>
         <p:spPr>
           <a:xfrm>
-            <a:off x="381300" y="685800"/>
+            <a:off x="381000" y="685800"/>
             <a:ext cx="6096000" cy="3429000"/>
           </a:xfrm>
           <a:custGeom>
@@ -1905,7 +1905,7 @@
         </p:nvSpPr>
         <p:spPr>
           <a:xfrm>
-            <a:off x="381300" y="685800"/>
+            <a:off x="381000" y="685800"/>
             <a:ext cx="6096000" cy="3429000"/>
           </a:xfrm>
           <a:custGeom>
@@ -10008,10 +10008,10 @@
               <a:buNone/>
             </a:pPr>
             <a:r>
-              <a:rPr lang="en-GB"/>
+              <a:rPr lang="en-GB" dirty="0"/>
               <a:t>PROBLEM STATEMENT</a:t>
             </a:r>
-            <a:endParaRPr/>
+            <a:endParaRPr dirty="0"/>
           </a:p>
         </p:txBody>
       </p:sp>
@@ -10050,7 +10050,7 @@
               <a:buNone/>
             </a:pPr>
             <a:r>
-              <a:rPr lang="en-GB" sz="1400">
+              <a:rPr lang="en-GB" sz="1400" dirty="0">
                 <a:solidFill>
                   <a:srgbClr val="000000"/>
                 </a:solidFill>
@@ -10059,9 +10059,9 @@
                 <a:cs typeface="Raleway"/>
                 <a:sym typeface="Raleway"/>
               </a:rPr>
-              <a:t>Find the EMI for Car with, </a:t>
+              <a:t>Find the EMI for Car Loan with, </a:t>
             </a:r>
-            <a:endParaRPr sz="1400">
+            <a:endParaRPr sz="1400" dirty="0">
               <a:solidFill>
                 <a:srgbClr val="000000"/>
               </a:solidFill>
@@ -10087,7 +10087,7 @@
               <a:buAutoNum type="arabicPeriod"/>
             </a:pPr>
             <a:r>
-              <a:rPr lang="en-GB" sz="1400">
+              <a:rPr lang="en-GB" sz="1400" dirty="0">
                 <a:solidFill>
                   <a:srgbClr val="000000"/>
                 </a:solidFill>
@@ -10098,7 +10098,7 @@
               </a:rPr>
               <a:t>Price of 15 Lakhs </a:t>
             </a:r>
-            <a:endParaRPr sz="1400">
+            <a:endParaRPr sz="1400" dirty="0">
               <a:solidFill>
                 <a:srgbClr val="000000"/>
               </a:solidFill>
@@ -10124,7 +10124,7 @@
               <a:buAutoNum type="arabicPeriod"/>
             </a:pPr>
             <a:r>
-              <a:rPr lang="en-GB" sz="1400">
+              <a:rPr lang="en-GB" sz="1400" dirty="0">
                 <a:solidFill>
                   <a:srgbClr val="000000"/>
                 </a:solidFill>
@@ -10135,7 +10135,7 @@
               </a:rPr>
               <a:t>Interest rate of 9.5%  </a:t>
             </a:r>
-            <a:endParaRPr sz="1400">
+            <a:endParaRPr sz="1400" dirty="0">
               <a:solidFill>
                 <a:srgbClr val="000000"/>
               </a:solidFill>
@@ -10161,7 +10161,7 @@
               <a:buAutoNum type="arabicPeriod"/>
             </a:pPr>
             <a:r>
-              <a:rPr lang="en-GB" sz="1400">
+              <a:rPr lang="en-GB" sz="1400" dirty="0">
                 <a:solidFill>
                   <a:srgbClr val="000000"/>
                 </a:solidFill>
@@ -10172,7 +10172,7 @@
               </a:rPr>
               <a:t>Loan Tenure - 1 year.</a:t>
             </a:r>
-            <a:endParaRPr sz="1400">
+            <a:endParaRPr sz="1400" dirty="0">
               <a:solidFill>
                 <a:srgbClr val="000000"/>
               </a:solidFill>
@@ -10192,7 +10192,7 @@
               </a:spcAft>
               <a:buNone/>
             </a:pPr>
-            <a:endParaRPr sz="1400">
+            <a:endParaRPr sz="1400" dirty="0">
               <a:solidFill>
                 <a:srgbClr val="000000"/>
               </a:solidFill>
@@ -10213,7 +10213,7 @@
               <a:buNone/>
             </a:pPr>
             <a:r>
-              <a:rPr lang="en-GB" sz="1400">
+              <a:rPr lang="en-GB" sz="1400" dirty="0">
                 <a:solidFill>
                   <a:srgbClr val="000000"/>
                 </a:solidFill>
@@ -10222,9 +10222,9 @@
                 <a:cs typeface="Raleway"/>
                 <a:sym typeface="Raleway"/>
               </a:rPr>
-              <a:t>Display the interest amount &amp; principal amount for one month</a:t>
+              <a:t>Display the interest amount &amp; principal amount for first month</a:t>
             </a:r>
-            <a:endParaRPr sz="1400">
+            <a:endParaRPr sz="1400" dirty="0">
               <a:solidFill>
                 <a:srgbClr val="000000"/>
               </a:solidFill>
@@ -10244,7 +10244,7 @@
               </a:spcAft>
               <a:buNone/>
             </a:pPr>
-            <a:endParaRPr sz="1400">
+            <a:endParaRPr sz="1400" dirty="0">
               <a:solidFill>
                 <a:srgbClr val="000000"/>
               </a:solidFill>
@@ -10370,7 +10370,7 @@
               <a:buNone/>
             </a:pPr>
             <a:r>
-              <a:rPr lang="en-GB" sz="1400">
+              <a:rPr lang="en-GB" sz="1400" dirty="0">
                 <a:solidFill>
                   <a:srgbClr val="000000"/>
                 </a:solidFill>
@@ -10379,9 +10379,9 @@
                 <a:cs typeface="Raleway"/>
                 <a:sym typeface="Raleway"/>
               </a:rPr>
-              <a:t>From Menu, pick Home Loan EMI Calculator.</a:t>
+              <a:t>From Menu, pick Home Loan.</a:t>
             </a:r>
-            <a:endParaRPr sz="1400">
+            <a:endParaRPr sz="1400" dirty="0">
               <a:solidFill>
                 <a:srgbClr val="000000"/>
               </a:solidFill>
@@ -10402,7 +10402,7 @@
               <a:buNone/>
             </a:pPr>
             <a:r>
-              <a:rPr lang="en-GB" sz="1400">
+              <a:rPr lang="en-GB" sz="1400" dirty="0">
                 <a:solidFill>
                   <a:srgbClr val="000000"/>
                 </a:solidFill>
@@ -10413,7 +10413,7 @@
               </a:rPr>
               <a:t>Fill relevant details and extract all the data from year on year table.</a:t>
             </a:r>
-            <a:endParaRPr sz="1400">
+            <a:endParaRPr sz="1400" dirty="0">
               <a:solidFill>
                 <a:srgbClr val="000000"/>
               </a:solidFill>
@@ -10434,7 +10434,7 @@
               <a:buNone/>
             </a:pPr>
             <a:r>
-              <a:rPr lang="en-GB" sz="1400">
+              <a:rPr lang="en-GB" sz="1400" dirty="0">
                 <a:solidFill>
                   <a:srgbClr val="000000"/>
                 </a:solidFill>
@@ -10445,7 +10445,7 @@
               </a:rPr>
               <a:t>Store the data in excel.</a:t>
             </a:r>
-            <a:endParaRPr sz="1400">
+            <a:endParaRPr sz="1400" dirty="0">
               <a:solidFill>
                 <a:srgbClr val="000000"/>
               </a:solidFill>
@@ -10465,7 +10465,7 @@
               </a:spcAft>
               <a:buNone/>
             </a:pPr>
-            <a:endParaRPr sz="1400">
+            <a:endParaRPr sz="1400" dirty="0">
               <a:latin typeface="Raleway"/>
               <a:ea typeface="Raleway"/>
               <a:cs typeface="Raleway"/>
@@ -10534,10 +10534,10 @@
               <a:buNone/>
             </a:pPr>
             <a:r>
-              <a:rPr lang="en-GB"/>
+              <a:rPr lang="en-GB" dirty="0"/>
               <a:t>PROBLEM STATEMENT</a:t>
             </a:r>
-            <a:endParaRPr/>
+            <a:endParaRPr dirty="0"/>
           </a:p>
           <a:p>
             <a:pPr marL="0" lvl="0" indent="0" algn="l" rtl="0">
@@ -10549,7 +10549,7 @@
               </a:spcAft>
               <a:buNone/>
             </a:pPr>
-            <a:endParaRPr/>
+            <a:endParaRPr dirty="0"/>
           </a:p>
           <a:p>
             <a:pPr marL="0" lvl="0" indent="0" algn="l" rtl="0">
@@ -10561,7 +10561,7 @@
               </a:spcAft>
               <a:buNone/>
             </a:pPr>
-            <a:endParaRPr/>
+            <a:endParaRPr dirty="0"/>
           </a:p>
         </p:txBody>
       </p:sp>
@@ -10600,7 +10600,7 @@
               <a:buNone/>
             </a:pPr>
             <a:r>
-              <a:rPr lang="en-GB" sz="1400">
+              <a:rPr lang="en-GB" sz="1400" dirty="0">
                 <a:solidFill>
                   <a:srgbClr val="000000"/>
                 </a:solidFill>
@@ -10611,7 +10611,7 @@
               </a:rPr>
               <a:t>From Menu, pick Loan Calculator.</a:t>
             </a:r>
-            <a:endParaRPr sz="1400">
+            <a:endParaRPr sz="1400" dirty="0">
               <a:solidFill>
                 <a:srgbClr val="000000"/>
               </a:solidFill>
@@ -10632,7 +10632,7 @@
               <a:buNone/>
             </a:pPr>
             <a:r>
-              <a:rPr lang="en-GB" sz="1400">
+              <a:rPr lang="en-GB" sz="1400" dirty="0">
                 <a:solidFill>
                   <a:srgbClr val="000000"/>
                 </a:solidFill>
@@ -10643,7 +10643,7 @@
               </a:rPr>
               <a:t>Under EMI calculator, do all UI check for text box &amp; scales.</a:t>
             </a:r>
-            <a:endParaRPr sz="1400">
+            <a:endParaRPr sz="1400" dirty="0">
               <a:solidFill>
                 <a:srgbClr val="000000"/>
               </a:solidFill>
@@ -10664,7 +10664,7 @@
               <a:buNone/>
             </a:pPr>
             <a:r>
-              <a:rPr lang="en-GB" sz="1400">
+              <a:rPr lang="en-GB" sz="1400" dirty="0">
                 <a:solidFill>
                   <a:srgbClr val="000000"/>
                 </a:solidFill>
@@ -10675,7 +10675,7 @@
               </a:rPr>
               <a:t>Change the Loan tenure for year &amp; month, check the change in scale.</a:t>
             </a:r>
-            <a:endParaRPr sz="1400">
+            <a:endParaRPr sz="1400" dirty="0">
               <a:solidFill>
                 <a:srgbClr val="000000"/>
               </a:solidFill>
@@ -10695,7 +10695,7 @@
               </a:spcAft>
               <a:buNone/>
             </a:pPr>
-            <a:endParaRPr sz="1400">
+            <a:endParaRPr lang="en-GB" sz="1400" dirty="0">
               <a:solidFill>
                 <a:srgbClr val="000000"/>
               </a:solidFill>
@@ -10715,7 +10715,19 @@
               </a:spcAft>
               <a:buNone/>
             </a:pPr>
-            <a:endParaRPr sz="1400">
+            <a:r>
+              <a:rPr lang="en-GB" sz="1400" dirty="0">
+                <a:solidFill>
+                  <a:srgbClr val="000000"/>
+                </a:solidFill>
+                <a:latin typeface="Raleway"/>
+                <a:ea typeface="Raleway"/>
+                <a:cs typeface="Raleway"/>
+                <a:sym typeface="Raleway"/>
+              </a:rPr>
+              <a:t>Re-use the same validation for Loan Amount Calculator &amp; Loan Tenure Calculator</a:t>
+            </a:r>
+            <a:endParaRPr sz="1400" dirty="0">
               <a:solidFill>
                 <a:srgbClr val="000000"/>
               </a:solidFill>
@@ -10731,43 +10743,11 @@
                 <a:spcPts val="500"/>
               </a:spcBef>
               <a:spcAft>
-                <a:spcPts val="0"/>
+                <a:spcPts val="1600"/>
               </a:spcAft>
               <a:buNone/>
             </a:pPr>
-            <a:r>
-              <a:rPr lang="en-GB" sz="1400">
-                <a:solidFill>
-                  <a:srgbClr val="000000"/>
-                </a:solidFill>
-                <a:latin typeface="Raleway"/>
-                <a:ea typeface="Raleway"/>
-                <a:cs typeface="Raleway"/>
-                <a:sym typeface="Raleway"/>
-              </a:rPr>
-              <a:t>Re-use the same validation for Loan Amount Calculator &amp; Loan Tenure Calculator</a:t>
-            </a:r>
-            <a:endParaRPr sz="1400">
-              <a:solidFill>
-                <a:srgbClr val="000000"/>
-              </a:solidFill>
-              <a:latin typeface="Raleway"/>
-              <a:ea typeface="Raleway"/>
-              <a:cs typeface="Raleway"/>
-              <a:sym typeface="Raleway"/>
-            </a:endParaRPr>
-          </a:p>
-          <a:p>
-            <a:pPr marL="0" lvl="0" indent="0" algn="l" rtl="0">
-              <a:spcBef>
-                <a:spcPts val="500"/>
-              </a:spcBef>
-              <a:spcAft>
-                <a:spcPts val="1600"/>
-              </a:spcAft>
-              <a:buNone/>
-            </a:pPr>
-            <a:endParaRPr sz="1400">
+            <a:endParaRPr sz="1400" dirty="0">
               <a:latin typeface="Raleway"/>
               <a:ea typeface="Raleway"/>
               <a:cs typeface="Raleway"/>
